--- a/lectures/week_2/Hardware and Locomotion-2.pptx
+++ b/lectures/week_2/Hardware and Locomotion-2.pptx
@@ -234,7 +234,7 @@
           <a:p>
             <a:fld id="{A12E5F1B-0040-44EA-AC35-E327EAACDF34}" type="datetimeFigureOut">
               <a:rPr lang="en-US" smtClean="0"/>
-              <a:t>2/3/2016</a:t>
+              <a:t>1/30/2017</a:t>
             </a:fld>
             <a:endParaRPr lang="en-US"/>
           </a:p>
@@ -771,7 +771,7 @@
         <p:nvSpPr>
           <p:cNvPr id="72707" name="Rectangle 2"/>
           <p:cNvSpPr>
-            <a:spLocks noChangeArrowheads="1" noTextEdit="1"/>
+            <a:spLocks noGrp="1" noRot="1" noChangeAspect="1" noChangeArrowheads="1" noTextEdit="1"/>
           </p:cNvSpPr>
           <p:nvPr>
             <p:ph type="sldImg"/>
@@ -1006,7 +1006,7 @@
         <p:nvSpPr>
           <p:cNvPr id="73731" name="Rectangle 2"/>
           <p:cNvSpPr>
-            <a:spLocks noChangeArrowheads="1" noTextEdit="1"/>
+            <a:spLocks noGrp="1" noRot="1" noChangeAspect="1" noChangeArrowheads="1" noTextEdit="1"/>
           </p:cNvSpPr>
           <p:nvPr>
             <p:ph type="sldImg"/>
@@ -1253,7 +1253,7 @@
         <p:nvSpPr>
           <p:cNvPr id="74755" name="Rectangle 2"/>
           <p:cNvSpPr>
-            <a:spLocks noChangeArrowheads="1" noTextEdit="1"/>
+            <a:spLocks noGrp="1" noRot="1" noChangeAspect="1" noChangeArrowheads="1" noTextEdit="1"/>
           </p:cNvSpPr>
           <p:nvPr>
             <p:ph type="sldImg"/>
@@ -1488,7 +1488,7 @@
         <p:nvSpPr>
           <p:cNvPr id="75779" name="Rectangle 2"/>
           <p:cNvSpPr>
-            <a:spLocks noChangeArrowheads="1" noTextEdit="1"/>
+            <a:spLocks noGrp="1" noRot="1" noChangeAspect="1" noChangeArrowheads="1" noTextEdit="1"/>
           </p:cNvSpPr>
           <p:nvPr>
             <p:ph type="sldImg"/>
@@ -1925,7 +1925,7 @@
         <p:nvSpPr>
           <p:cNvPr id="101379" name="Rectangle 2"/>
           <p:cNvSpPr>
-            <a:spLocks noChangeArrowheads="1" noTextEdit="1"/>
+            <a:spLocks noGrp="1" noRot="1" noChangeAspect="1" noChangeArrowheads="1" noTextEdit="1"/>
           </p:cNvSpPr>
           <p:nvPr>
             <p:ph type="sldImg"/>
@@ -2160,7 +2160,7 @@
         <p:nvSpPr>
           <p:cNvPr id="102403" name="Rectangle 2"/>
           <p:cNvSpPr>
-            <a:spLocks noChangeArrowheads="1" noTextEdit="1"/>
+            <a:spLocks noGrp="1" noRot="1" noChangeAspect="1" noChangeArrowheads="1" noTextEdit="1"/>
           </p:cNvSpPr>
           <p:nvPr>
             <p:ph type="sldImg"/>
@@ -2395,7 +2395,7 @@
         <p:nvSpPr>
           <p:cNvPr id="103427" name="Rectangle 2"/>
           <p:cNvSpPr>
-            <a:spLocks noChangeArrowheads="1" noTextEdit="1"/>
+            <a:spLocks noGrp="1" noRot="1" noChangeAspect="1" noChangeArrowheads="1" noTextEdit="1"/>
           </p:cNvSpPr>
           <p:nvPr>
             <p:ph type="sldImg"/>
@@ -4246,7 +4246,7 @@
         <p:nvSpPr>
           <p:cNvPr id="77827" name="Rectangle 2"/>
           <p:cNvSpPr>
-            <a:spLocks noChangeArrowheads="1" noTextEdit="1"/>
+            <a:spLocks noGrp="1" noRot="1" noChangeAspect="1" noChangeArrowheads="1" noTextEdit="1"/>
           </p:cNvSpPr>
           <p:nvPr>
             <p:ph type="sldImg"/>
@@ -4481,7 +4481,7 @@
         <p:nvSpPr>
           <p:cNvPr id="82947" name="Rectangle 2"/>
           <p:cNvSpPr>
-            <a:spLocks noChangeArrowheads="1" noTextEdit="1"/>
+            <a:spLocks noGrp="1" noRot="1" noChangeAspect="1" noChangeArrowheads="1" noTextEdit="1"/>
           </p:cNvSpPr>
           <p:nvPr>
             <p:ph type="sldImg"/>
@@ -4716,7 +4716,7 @@
         <p:nvSpPr>
           <p:cNvPr id="83971" name="Rectangle 2"/>
           <p:cNvSpPr>
-            <a:spLocks noChangeArrowheads="1" noTextEdit="1"/>
+            <a:spLocks noGrp="1" noRot="1" noChangeAspect="1" noChangeArrowheads="1" noTextEdit="1"/>
           </p:cNvSpPr>
           <p:nvPr>
             <p:ph type="sldImg"/>
@@ -6075,7 +6075,7 @@
           <a:p>
             <a:fld id="{8B93C40F-C7D6-4BAB-BB6A-C54844ABF4F6}" type="datetimeFigureOut">
               <a:rPr lang="en-US" smtClean="0"/>
-              <a:t>2/3/2016</a:t>
+              <a:t>1/30/2017</a:t>
             </a:fld>
             <a:endParaRPr lang="en-US"/>
           </a:p>
@@ -6245,7 +6245,7 @@
           <a:p>
             <a:fld id="{8B93C40F-C7D6-4BAB-BB6A-C54844ABF4F6}" type="datetimeFigureOut">
               <a:rPr lang="en-US" smtClean="0"/>
-              <a:t>2/3/2016</a:t>
+              <a:t>1/30/2017</a:t>
             </a:fld>
             <a:endParaRPr lang="en-US"/>
           </a:p>
@@ -6425,7 +6425,7 @@
           <a:p>
             <a:fld id="{8B93C40F-C7D6-4BAB-BB6A-C54844ABF4F6}" type="datetimeFigureOut">
               <a:rPr lang="en-US" smtClean="0"/>
-              <a:t>2/3/2016</a:t>
+              <a:t>1/30/2017</a:t>
             </a:fld>
             <a:endParaRPr lang="en-US"/>
           </a:p>
@@ -6789,7 +6789,7 @@
           <a:p>
             <a:fld id="{8B93C40F-C7D6-4BAB-BB6A-C54844ABF4F6}" type="datetimeFigureOut">
               <a:rPr lang="en-US" smtClean="0"/>
-              <a:t>2/3/2016</a:t>
+              <a:t>1/30/2017</a:t>
             </a:fld>
             <a:endParaRPr lang="en-US"/>
           </a:p>
@@ -7035,7 +7035,7 @@
           <a:p>
             <a:fld id="{8B93C40F-C7D6-4BAB-BB6A-C54844ABF4F6}" type="datetimeFigureOut">
               <a:rPr lang="en-US" smtClean="0"/>
-              <a:t>2/3/2016</a:t>
+              <a:t>1/30/2017</a:t>
             </a:fld>
             <a:endParaRPr lang="en-US"/>
           </a:p>
@@ -7323,7 +7323,7 @@
           <a:p>
             <a:fld id="{8B93C40F-C7D6-4BAB-BB6A-C54844ABF4F6}" type="datetimeFigureOut">
               <a:rPr lang="en-US" smtClean="0"/>
-              <a:t>2/3/2016</a:t>
+              <a:t>1/30/2017</a:t>
             </a:fld>
             <a:endParaRPr lang="en-US"/>
           </a:p>
@@ -7745,7 +7745,7 @@
           <a:p>
             <a:fld id="{8B93C40F-C7D6-4BAB-BB6A-C54844ABF4F6}" type="datetimeFigureOut">
               <a:rPr lang="en-US" smtClean="0"/>
-              <a:t>2/3/2016</a:t>
+              <a:t>1/30/2017</a:t>
             </a:fld>
             <a:endParaRPr lang="en-US"/>
           </a:p>
@@ -7863,7 +7863,7 @@
           <a:p>
             <a:fld id="{8B93C40F-C7D6-4BAB-BB6A-C54844ABF4F6}" type="datetimeFigureOut">
               <a:rPr lang="en-US" smtClean="0"/>
-              <a:t>2/3/2016</a:t>
+              <a:t>1/30/2017</a:t>
             </a:fld>
             <a:endParaRPr lang="en-US"/>
           </a:p>
@@ -7958,7 +7958,7 @@
           <a:p>
             <a:fld id="{8B93C40F-C7D6-4BAB-BB6A-C54844ABF4F6}" type="datetimeFigureOut">
               <a:rPr lang="en-US" smtClean="0"/>
-              <a:t>2/3/2016</a:t>
+              <a:t>1/30/2017</a:t>
             </a:fld>
             <a:endParaRPr lang="en-US"/>
           </a:p>
@@ -8235,7 +8235,7 @@
           <a:p>
             <a:fld id="{8B93C40F-C7D6-4BAB-BB6A-C54844ABF4F6}" type="datetimeFigureOut">
               <a:rPr lang="en-US" smtClean="0"/>
-              <a:t>2/3/2016</a:t>
+              <a:t>1/30/2017</a:t>
             </a:fld>
             <a:endParaRPr lang="en-US"/>
           </a:p>
@@ -8488,7 +8488,7 @@
           <a:p>
             <a:fld id="{8B93C40F-C7D6-4BAB-BB6A-C54844ABF4F6}" type="datetimeFigureOut">
               <a:rPr lang="en-US" smtClean="0"/>
-              <a:t>2/3/2016</a:t>
+              <a:t>1/30/2017</a:t>
             </a:fld>
             <a:endParaRPr lang="en-US"/>
           </a:p>
@@ -8701,7 +8701,7 @@
           <a:p>
             <a:fld id="{8B93C40F-C7D6-4BAB-BB6A-C54844ABF4F6}" type="datetimeFigureOut">
               <a:rPr lang="en-US" smtClean="0"/>
-              <a:t>2/3/2016</a:t>
+              <a:t>1/30/2017</a:t>
             </a:fld>
             <a:endParaRPr lang="en-US"/>
           </a:p>
@@ -9551,11 +9551,11 @@
   <p:clrMapOvr>
     <a:masterClrMapping/>
   </p:clrMapOvr>
-  <mc:AlternateContent xmlns:mc="http://schemas.openxmlformats.org/markup-compatibility/2006">
-    <mc:Choice xmlns:p14="http://schemas.microsoft.com/office/powerpoint/2010/main" Requires="p14">
+  <mc:AlternateContent xmlns:mc="http://schemas.openxmlformats.org/markup-compatibility/2006" xmlns:p14="http://schemas.microsoft.com/office/powerpoint/2010/main">
+    <mc:Choice Requires="p14">
       <p:transition spd="slow" p14:dur="2000"/>
     </mc:Choice>
-    <mc:Fallback>
+    <mc:Fallback xmlns="">
       <p:transition spd="slow"/>
     </mc:Fallback>
   </mc:AlternateContent>
@@ -9766,11 +9766,11 @@
   <p:clrMapOvr>
     <a:masterClrMapping/>
   </p:clrMapOvr>
-  <mc:AlternateContent xmlns:mc="http://schemas.openxmlformats.org/markup-compatibility/2006">
-    <mc:Choice xmlns:p14="http://schemas.microsoft.com/office/powerpoint/2010/main" Requires="p14">
+  <mc:AlternateContent xmlns:mc="http://schemas.openxmlformats.org/markup-compatibility/2006" xmlns:p14="http://schemas.microsoft.com/office/powerpoint/2010/main">
+    <mc:Choice Requires="p14">
       <p:transition spd="slow" p14:dur="2000"/>
     </mc:Choice>
-    <mc:Fallback>
+    <mc:Fallback xmlns="">
       <p:transition spd="slow"/>
     </mc:Fallback>
   </mc:AlternateContent>
@@ -10004,11 +10004,11 @@
   <p:clrMapOvr>
     <a:masterClrMapping/>
   </p:clrMapOvr>
-  <mc:AlternateContent xmlns:mc="http://schemas.openxmlformats.org/markup-compatibility/2006">
-    <mc:Choice xmlns:p14="http://schemas.microsoft.com/office/powerpoint/2010/main" Requires="p14">
+  <mc:AlternateContent xmlns:mc="http://schemas.openxmlformats.org/markup-compatibility/2006" xmlns:p14="http://schemas.microsoft.com/office/powerpoint/2010/main">
+    <mc:Choice Requires="p14">
       <p:transition spd="slow" p14:dur="2000"/>
     </mc:Choice>
-    <mc:Fallback>
+    <mc:Fallback xmlns="">
       <p:transition spd="slow"/>
     </mc:Fallback>
   </mc:AlternateContent>
@@ -10261,11 +10261,11 @@
   <p:clrMapOvr>
     <a:masterClrMapping/>
   </p:clrMapOvr>
-  <mc:AlternateContent xmlns:mc="http://schemas.openxmlformats.org/markup-compatibility/2006">
-    <mc:Choice xmlns:p14="http://schemas.microsoft.com/office/powerpoint/2010/main" Requires="p14">
+  <mc:AlternateContent xmlns:mc="http://schemas.openxmlformats.org/markup-compatibility/2006" xmlns:p14="http://schemas.microsoft.com/office/powerpoint/2010/main">
+    <mc:Choice Requires="p14">
       <p:transition spd="slow" p14:dur="2000"/>
     </mc:Choice>
-    <mc:Fallback>
+    <mc:Fallback xmlns="">
       <p:transition spd="slow"/>
     </mc:Fallback>
   </mc:AlternateContent>
@@ -11346,11 +11346,11 @@
   <p:clrMapOvr>
     <a:masterClrMapping/>
   </p:clrMapOvr>
-  <mc:AlternateContent xmlns:mc="http://schemas.openxmlformats.org/markup-compatibility/2006">
-    <mc:Choice xmlns:p14="http://schemas.microsoft.com/office/powerpoint/2010/main" Requires="p14">
+  <mc:AlternateContent xmlns:mc="http://schemas.openxmlformats.org/markup-compatibility/2006" xmlns:p14="http://schemas.microsoft.com/office/powerpoint/2010/main">
+    <mc:Choice Requires="p14">
       <p:transition spd="slow" p14:dur="2000"/>
     </mc:Choice>
-    <mc:Fallback>
+    <mc:Fallback xmlns="">
       <p:transition spd="slow"/>
     </mc:Fallback>
   </mc:AlternateContent>
@@ -11793,8 +11793,26 @@
           <a:p>
             <a:r>
               <a:rPr lang="en-US" altLang="en-US" dirty="0" smtClean="0"/>
-              <a:t>b) Castor wheel: Three degrees of freedom; rotation around the wheel axle, the contact point and the castor axle</a:t>
-            </a:r>
+              <a:t>b) Castor wheel: Three degrees of freedom; rotation around the wheel axle, the contact point and the castor </a:t>
+            </a:r>
+            <a:r>
+              <a:rPr lang="en-US" altLang="en-US" dirty="0" smtClean="0"/>
+              <a:t>axle</a:t>
+            </a:r>
+          </a:p>
+          <a:p>
+            <a:pPr marL="0" indent="0">
+              <a:buNone/>
+            </a:pPr>
+            <a:r>
+              <a:rPr lang="en-US" altLang="en-US" sz="2600" dirty="0"/>
+              <a:t> </a:t>
+            </a:r>
+            <a:r>
+              <a:rPr lang="en-US" altLang="en-US" sz="2600" dirty="0" smtClean="0"/>
+              <a:t>   -      used in office chairs</a:t>
+            </a:r>
+            <a:endParaRPr lang="en-US" altLang="en-US" sz="2600" dirty="0" smtClean="0"/>
           </a:p>
         </p:txBody>
       </p:sp>
@@ -11862,11 +11880,11 @@
   <p:clrMapOvr>
     <a:masterClrMapping/>
   </p:clrMapOvr>
-  <mc:AlternateContent xmlns:mc="http://schemas.openxmlformats.org/markup-compatibility/2006">
-    <mc:Choice xmlns:p14="http://schemas.microsoft.com/office/powerpoint/2010/main" Requires="p14">
+  <mc:AlternateContent xmlns:mc="http://schemas.openxmlformats.org/markup-compatibility/2006" xmlns:p14="http://schemas.microsoft.com/office/powerpoint/2010/main">
+    <mc:Choice Requires="p14">
       <p:transition spd="slow" p14:dur="2000"/>
     </mc:Choice>
-    <mc:Fallback>
+    <mc:Fallback xmlns="">
       <p:transition spd="slow"/>
     </mc:Fallback>
   </mc:AlternateContent>
@@ -11963,22 +11981,39 @@
         </p:spPr>
         <p:txBody>
           <a:bodyPr>
-            <a:normAutofit lnSpcReduction="10000"/>
+            <a:normAutofit fontScale="92500" lnSpcReduction="20000"/>
           </a:bodyPr>
           <a:lstStyle/>
           <a:p>
             <a:r>
-              <a:rPr lang="en-US" altLang="en-US" smtClean="0"/>
+              <a:rPr lang="en-US" altLang="en-US" dirty="0" smtClean="0"/>
               <a:t>c) Swedish wheel: Three degrees of freedom; rotation around the (motorized) wheel axle, around the rollers and around the contact point</a:t>
             </a:r>
           </a:p>
           <a:p>
-            <a:endParaRPr lang="en-US" altLang="en-US" smtClean="0"/>
-          </a:p>
-          <a:p>
-            <a:r>
-              <a:rPr lang="en-US" altLang="en-US" smtClean="0"/>
-              <a:t>d) Ball or spherical wheel: Suspension technically not solved</a:t>
+            <a:endParaRPr lang="en-US" altLang="en-US" dirty="0" smtClean="0"/>
+          </a:p>
+          <a:p>
+            <a:r>
+              <a:rPr lang="en-US" altLang="en-US" dirty="0" smtClean="0"/>
+              <a:t>d) Ball or spherical wheel: </a:t>
+            </a:r>
+            <a:r>
+              <a:rPr lang="en-US" altLang="en-US" dirty="0" smtClean="0"/>
+              <a:t>Three degrees of freedom, around contact point in any direction</a:t>
+            </a:r>
+          </a:p>
+          <a:p>
+            <a:pPr marL="0" indent="0">
+              <a:buNone/>
+            </a:pPr>
+            <a:r>
+              <a:rPr lang="en-US" altLang="en-US" sz="2200" dirty="0" smtClean="0"/>
+              <a:t>      - Suspension </a:t>
+            </a:r>
+            <a:r>
+              <a:rPr lang="en-US" altLang="en-US" sz="2200" dirty="0" smtClean="0"/>
+              <a:t>technically not solved</a:t>
             </a:r>
           </a:p>
         </p:txBody>
@@ -12047,11 +12082,11 @@
   <p:clrMapOvr>
     <a:masterClrMapping/>
   </p:clrMapOvr>
-  <mc:AlternateContent xmlns:mc="http://schemas.openxmlformats.org/markup-compatibility/2006">
-    <mc:Choice xmlns:p14="http://schemas.microsoft.com/office/powerpoint/2010/main" Requires="p14">
+  <mc:AlternateContent xmlns:mc="http://schemas.openxmlformats.org/markup-compatibility/2006" xmlns:p14="http://schemas.microsoft.com/office/powerpoint/2010/main">
+    <mc:Choice Requires="p14">
       <p:transition spd="slow" p14:dur="2000"/>
     </mc:Choice>
-    <mc:Fallback>
+    <mc:Fallback xmlns="">
       <p:transition spd="slow"/>
     </mc:Fallback>
   </mc:AlternateContent>
@@ -17275,11 +17310,11 @@
   <p:clrMapOvr>
     <a:masterClrMapping/>
   </p:clrMapOvr>
-  <mc:AlternateContent xmlns:mc="http://schemas.openxmlformats.org/markup-compatibility/2006">
-    <mc:Choice xmlns:p14="http://schemas.microsoft.com/office/powerpoint/2010/main" Requires="p14">
+  <mc:AlternateContent xmlns:mc="http://schemas.openxmlformats.org/markup-compatibility/2006" xmlns:p14="http://schemas.microsoft.com/office/powerpoint/2010/main">
+    <mc:Choice Requires="p14">
       <p:transition spd="slow" p14:dur="2000"/>
     </mc:Choice>
-    <mc:Fallback>
+    <mc:Fallback xmlns="">
       <p:transition spd="slow"/>
     </mc:Fallback>
   </mc:AlternateContent>
@@ -17562,11 +17597,11 @@
   <p:clrMapOvr>
     <a:masterClrMapping/>
   </p:clrMapOvr>
-  <mc:AlternateContent xmlns:mc="http://schemas.openxmlformats.org/markup-compatibility/2006">
-    <mc:Choice xmlns:p14="http://schemas.microsoft.com/office/powerpoint/2010/main" Requires="p14">
+  <mc:AlternateContent xmlns:mc="http://schemas.openxmlformats.org/markup-compatibility/2006" xmlns:p14="http://schemas.microsoft.com/office/powerpoint/2010/main">
+    <mc:Choice Requires="p14">
       <p:transition spd="slow" p14:dur="2000"/>
     </mc:Choice>
-    <mc:Fallback>
+    <mc:Fallback xmlns="">
       <p:transition spd="slow"/>
     </mc:Fallback>
   </mc:AlternateContent>
@@ -17689,7 +17724,7 @@
         <p:nvPicPr>
           <p:cNvPr id="31749" name="Picture 4"/>
           <p:cNvPicPr>
-            <a:picLocks noChangeAspect="1" noChangeArrowheads="1"/>
+            <a:picLocks noGrp="1" noChangeAspect="1" noChangeArrowheads="1"/>
           </p:cNvPicPr>
           <p:nvPr>
             <p:ph type="body" idx="1"/>
@@ -17726,11 +17761,11 @@
   <p:clrMapOvr>
     <a:masterClrMapping/>
   </p:clrMapOvr>
-  <mc:AlternateContent xmlns:mc="http://schemas.openxmlformats.org/markup-compatibility/2006">
-    <mc:Choice xmlns:p14="http://schemas.microsoft.com/office/powerpoint/2010/main" Requires="p14">
+  <mc:AlternateContent xmlns:mc="http://schemas.openxmlformats.org/markup-compatibility/2006" xmlns:p14="http://schemas.microsoft.com/office/powerpoint/2010/main">
+    <mc:Choice Requires="p14">
       <p:transition spd="slow" p14:dur="2000"/>
     </mc:Choice>
-    <mc:Fallback>
+    <mc:Fallback xmlns="">
       <p:transition spd="slow"/>
     </mc:Fallback>
   </mc:AlternateContent>
